--- a/spark/03-RDDs/03-KeyValueRdds.pptx
+++ b/spark/03-RDDs/03-KeyValueRdds.pptx
@@ -11,11 +11,17 @@
     <p:sldId id="259" r:id="rId5"/>
     <p:sldId id="260" r:id="rId6"/>
     <p:sldId id="262" r:id="rId7"/>
-    <p:sldId id="263" r:id="rId8"/>
-    <p:sldId id="264" r:id="rId9"/>
-    <p:sldId id="265" r:id="rId10"/>
-    <p:sldId id="266" r:id="rId11"/>
-    <p:sldId id="267" r:id="rId12"/>
+    <p:sldId id="269" r:id="rId8"/>
+    <p:sldId id="268" r:id="rId9"/>
+    <p:sldId id="270" r:id="rId10"/>
+    <p:sldId id="271" r:id="rId11"/>
+    <p:sldId id="273" r:id="rId12"/>
+    <p:sldId id="272" r:id="rId13"/>
+    <p:sldId id="263" r:id="rId14"/>
+    <p:sldId id="274" r:id="rId15"/>
+    <p:sldId id="264" r:id="rId16"/>
+    <p:sldId id="265" r:id="rId17"/>
+    <p:sldId id="267" r:id="rId18"/>
   </p:sldIdLst>
   <p:sldSz cx="12192000" cy="6858000"/>
   <p:notesSz cx="6858000" cy="9144000"/>
@@ -269,7 +275,7 @@
           <a:p>
             <a:fld id="{D53D8D1A-7539-7E4E-AB71-40AE3CDD35CD}" type="datetimeFigureOut">
               <a:rPr lang="en-US" smtClean="0"/>
-              <a:t>12/28/18</a:t>
+              <a:t>1/8/19</a:t>
             </a:fld>
             <a:endParaRPr lang="en-US"/>
           </a:p>
@@ -467,7 +473,7 @@
           <a:p>
             <a:fld id="{D53D8D1A-7539-7E4E-AB71-40AE3CDD35CD}" type="datetimeFigureOut">
               <a:rPr lang="en-US" smtClean="0"/>
-              <a:t>12/28/18</a:t>
+              <a:t>1/8/19</a:t>
             </a:fld>
             <a:endParaRPr lang="en-US"/>
           </a:p>
@@ -675,7 +681,7 @@
           <a:p>
             <a:fld id="{D53D8D1A-7539-7E4E-AB71-40AE3CDD35CD}" type="datetimeFigureOut">
               <a:rPr lang="en-US" smtClean="0"/>
-              <a:t>12/28/18</a:t>
+              <a:t>1/8/19</a:t>
             </a:fld>
             <a:endParaRPr lang="en-US"/>
           </a:p>
@@ -873,7 +879,7 @@
           <a:p>
             <a:fld id="{D53D8D1A-7539-7E4E-AB71-40AE3CDD35CD}" type="datetimeFigureOut">
               <a:rPr lang="en-US" smtClean="0"/>
-              <a:t>12/28/18</a:t>
+              <a:t>1/8/19</a:t>
             </a:fld>
             <a:endParaRPr lang="en-US"/>
           </a:p>
@@ -1148,7 +1154,7 @@
           <a:p>
             <a:fld id="{D53D8D1A-7539-7E4E-AB71-40AE3CDD35CD}" type="datetimeFigureOut">
               <a:rPr lang="en-US" smtClean="0"/>
-              <a:t>12/28/18</a:t>
+              <a:t>1/8/19</a:t>
             </a:fld>
             <a:endParaRPr lang="en-US"/>
           </a:p>
@@ -1413,7 +1419,7 @@
           <a:p>
             <a:fld id="{D53D8D1A-7539-7E4E-AB71-40AE3CDD35CD}" type="datetimeFigureOut">
               <a:rPr lang="en-US" smtClean="0"/>
-              <a:t>12/28/18</a:t>
+              <a:t>1/8/19</a:t>
             </a:fld>
             <a:endParaRPr lang="en-US"/>
           </a:p>
@@ -1825,7 +1831,7 @@
           <a:p>
             <a:fld id="{D53D8D1A-7539-7E4E-AB71-40AE3CDD35CD}" type="datetimeFigureOut">
               <a:rPr lang="en-US" smtClean="0"/>
-              <a:t>12/28/18</a:t>
+              <a:t>1/8/19</a:t>
             </a:fld>
             <a:endParaRPr lang="en-US"/>
           </a:p>
@@ -1966,7 +1972,7 @@
           <a:p>
             <a:fld id="{D53D8D1A-7539-7E4E-AB71-40AE3CDD35CD}" type="datetimeFigureOut">
               <a:rPr lang="en-US" smtClean="0"/>
-              <a:t>12/28/18</a:t>
+              <a:t>1/8/19</a:t>
             </a:fld>
             <a:endParaRPr lang="en-US"/>
           </a:p>
@@ -2079,7 +2085,7 @@
           <a:p>
             <a:fld id="{D53D8D1A-7539-7E4E-AB71-40AE3CDD35CD}" type="datetimeFigureOut">
               <a:rPr lang="en-US" smtClean="0"/>
-              <a:t>12/28/18</a:t>
+              <a:t>1/8/19</a:t>
             </a:fld>
             <a:endParaRPr lang="en-US"/>
           </a:p>
@@ -2390,7 +2396,7 @@
           <a:p>
             <a:fld id="{D53D8D1A-7539-7E4E-AB71-40AE3CDD35CD}" type="datetimeFigureOut">
               <a:rPr lang="en-US" smtClean="0"/>
-              <a:t>12/28/18</a:t>
+              <a:t>1/8/19</a:t>
             </a:fld>
             <a:endParaRPr lang="en-US"/>
           </a:p>
@@ -2678,7 +2684,7 @@
           <a:p>
             <a:fld id="{D53D8D1A-7539-7E4E-AB71-40AE3CDD35CD}" type="datetimeFigureOut">
               <a:rPr lang="en-US" smtClean="0"/>
-              <a:t>12/28/18</a:t>
+              <a:t>1/8/19</a:t>
             </a:fld>
             <a:endParaRPr lang="en-US"/>
           </a:p>
@@ -2919,7 +2925,7 @@
           <a:p>
             <a:fld id="{D53D8D1A-7539-7E4E-AB71-40AE3CDD35CD}" type="datetimeFigureOut">
               <a:rPr lang="en-US" smtClean="0"/>
-              <a:t>12/28/18</a:t>
+              <a:t>1/8/19</a:t>
             </a:fld>
             <a:endParaRPr lang="en-US"/>
           </a:p>
@@ -3424,7 +3430,7 @@
           <p:cNvPr id="2" name="Title 1">
             <a:extLst>
               <a:ext uri="{FF2B5EF4-FFF2-40B4-BE49-F238E27FC236}">
-                <a16:creationId xmlns:a16="http://schemas.microsoft.com/office/drawing/2014/main" id="{0725BDA5-8066-0C47-B2C1-5C9536765BB4}"/>
+                <a16:creationId xmlns:a16="http://schemas.microsoft.com/office/drawing/2014/main" id="{87F02305-3DCA-1A45-A67D-EA42101DAAA0}"/>
               </a:ext>
             </a:extLst>
           </p:cNvPr>
@@ -3441,8 +3447,22 @@
           <a:lstStyle/>
           <a:p>
             <a:r>
-              <a:rPr lang="en-US" dirty="0"/>
-              <a:t>Key-Value Pairs (Pair RDDs)</a:t>
+              <a:rPr lang="en-US" dirty="0" err="1"/>
+              <a:t>groupByKey</a:t>
+            </a:r>
+            <a:r>
+              <a:rPr lang="en-US" dirty="0"/>
+              <a:t>() is a </a:t>
+            </a:r>
+            <a:r>
+              <a:rPr lang="en-US" b="1" i="1" dirty="0">
+                <a:solidFill>
+                  <a:schemeClr val="accent1">
+                    <a:lumMod val="75000"/>
+                  </a:schemeClr>
+                </a:solidFill>
+              </a:rPr>
+              <a:t>Transformation</a:t>
             </a:r>
           </a:p>
         </p:txBody>
@@ -3452,7 +3472,7 @@
           <p:cNvPr id="3" name="Content Placeholder 2">
             <a:extLst>
               <a:ext uri="{FF2B5EF4-FFF2-40B4-BE49-F238E27FC236}">
-                <a16:creationId xmlns:a16="http://schemas.microsoft.com/office/drawing/2014/main" id="{C4239B61-862E-2649-932E-76BF33D9B7E7}"/>
+                <a16:creationId xmlns:a16="http://schemas.microsoft.com/office/drawing/2014/main" id="{47B0C754-3E5F-E54C-9E96-7E6F793E8C48}"/>
               </a:ext>
             </a:extLst>
           </p:cNvPr>
@@ -3465,56 +3485,208 @@
         </p:nvSpPr>
         <p:spPr/>
         <p:txBody>
-          <a:bodyPr/>
-          <a:lstStyle/>
+          <a:bodyPr>
+            <a:normAutofit/>
+          </a:bodyPr>
+          <a:lstStyle/>
+          <a:p>
+            <a:pPr marL="0" indent="0">
+              <a:buNone/>
+            </a:pPr>
+            <a:r>
+              <a:rPr lang="en-US" dirty="0" err="1"/>
+              <a:t>rdd</a:t>
+            </a:r>
+            <a:r>
+              <a:rPr lang="en-US" dirty="0"/>
+              <a:t> = [('one', 1), ('two', 1), ('two', 1), ('three', 1), ('three', 1), ('three', 1)]   </a:t>
+            </a:r>
+          </a:p>
+          <a:p>
+            <a:pPr marL="0" indent="0">
+              <a:buNone/>
+            </a:pPr>
+            <a:r>
+              <a:rPr lang="en-US" dirty="0"/>
+              <a:t> </a:t>
+            </a:r>
+            <a:r>
+              <a:rPr lang="en-US" b="1" i="1" dirty="0" err="1">
+                <a:solidFill>
+                  <a:schemeClr val="accent1">
+                    <a:lumMod val="75000"/>
+                  </a:schemeClr>
+                </a:solidFill>
+              </a:rPr>
+              <a:t>wordCountsWithGroup</a:t>
+            </a:r>
+            <a:r>
+              <a:rPr lang="en-US" b="1" i="1" dirty="0">
+                <a:solidFill>
+                  <a:schemeClr val="accent1">
+                    <a:lumMod val="75000"/>
+                  </a:schemeClr>
+                </a:solidFill>
+              </a:rPr>
+              <a:t>  = </a:t>
+            </a:r>
+            <a:r>
+              <a:rPr lang="en-US" dirty="0" err="1"/>
+              <a:t>rdd.</a:t>
+            </a:r>
+            <a:r>
+              <a:rPr lang="en-US" b="1" i="1" dirty="0" err="1">
+                <a:solidFill>
+                  <a:schemeClr val="accent1">
+                    <a:lumMod val="75000"/>
+                  </a:schemeClr>
+                </a:solidFill>
+              </a:rPr>
+              <a:t>groupByKey</a:t>
+            </a:r>
+            <a:r>
+              <a:rPr lang="en-US" b="1" i="1" dirty="0">
+                <a:solidFill>
+                  <a:schemeClr val="accent1">
+                    <a:lumMod val="75000"/>
+                  </a:schemeClr>
+                </a:solidFill>
+              </a:rPr>
+              <a:t>()</a:t>
+            </a:r>
+          </a:p>
+          <a:p>
+            <a:pPr marL="0" indent="0">
+              <a:buNone/>
+            </a:pPr>
+            <a:r>
+              <a:rPr lang="en-US" b="1" i="1" dirty="0">
+                <a:solidFill>
+                  <a:schemeClr val="accent1">
+                    <a:lumMod val="75000"/>
+                  </a:schemeClr>
+                </a:solidFill>
+              </a:rPr>
+              <a:t>print (type(</a:t>
+            </a:r>
+            <a:r>
+              <a:rPr lang="en-US" b="1" i="1" dirty="0" err="1">
+                <a:solidFill>
+                  <a:schemeClr val="accent1">
+                    <a:lumMod val="75000"/>
+                  </a:schemeClr>
+                </a:solidFill>
+              </a:rPr>
+              <a:t>wordCountsWithGroup</a:t>
+            </a:r>
+            <a:r>
+              <a:rPr lang="en-US" b="1" i="1" dirty="0">
+                <a:solidFill>
+                  <a:schemeClr val="accent1">
+                    <a:lumMod val="75000"/>
+                  </a:schemeClr>
+                </a:solidFill>
+              </a:rPr>
+              <a:t>))</a:t>
+            </a:r>
+          </a:p>
+          <a:p>
+            <a:pPr marL="0" indent="0">
+              <a:buNone/>
+            </a:pPr>
+            <a:r>
+              <a:rPr lang="en-US" dirty="0"/>
+              <a:t>&lt;class '</a:t>
+            </a:r>
+            <a:r>
+              <a:rPr lang="en-US" dirty="0" err="1"/>
+              <a:t>pyspark.rdd.PipelinedRDD</a:t>
+            </a:r>
+            <a:r>
+              <a:rPr lang="en-US" dirty="0"/>
+              <a:t>’&gt;</a:t>
+            </a:r>
+          </a:p>
+          <a:p>
+            <a:pPr marL="0" indent="0">
+              <a:buNone/>
+            </a:pPr>
+            <a:r>
+              <a:rPr lang="en-US" b="1" i="1" dirty="0">
+                <a:solidFill>
+                  <a:schemeClr val="accent1">
+                    <a:lumMod val="75000"/>
+                  </a:schemeClr>
+                </a:solidFill>
+              </a:rPr>
+              <a:t>print(</a:t>
+            </a:r>
+            <a:r>
+              <a:rPr lang="en-US" b="1" i="1" dirty="0" err="1">
+                <a:solidFill>
+                  <a:schemeClr val="accent1">
+                    <a:lumMod val="75000"/>
+                  </a:schemeClr>
+                </a:solidFill>
+              </a:rPr>
+              <a:t>wordCountsWithGroup.collect</a:t>
+            </a:r>
+            <a:r>
+              <a:rPr lang="en-US" b="1" i="1" dirty="0">
+                <a:solidFill>
+                  <a:schemeClr val="accent1">
+                    <a:lumMod val="75000"/>
+                  </a:schemeClr>
+                </a:solidFill>
+              </a:rPr>
+              <a:t>())</a:t>
+            </a:r>
+          </a:p>
+          <a:p>
+            <a:pPr marL="0" indent="0">
+              <a:buNone/>
+            </a:pPr>
+            <a:r>
+              <a:rPr lang="en-US" dirty="0"/>
+              <a:t>[('two', &lt;</a:t>
+            </a:r>
+            <a:r>
+              <a:rPr lang="en-US" dirty="0" err="1"/>
+              <a:t>pyspark.resultiterable.ResultIterable</a:t>
+            </a:r>
+            <a:r>
+              <a:rPr lang="en-US" dirty="0"/>
+              <a:t> object at 0x7fc5cf2c63c8&gt;), ('three', &lt;</a:t>
+            </a:r>
+            <a:r>
+              <a:rPr lang="en-US" dirty="0" err="1"/>
+              <a:t>pyspark.resultiterable.ResultIterable</a:t>
+            </a:r>
+            <a:r>
+              <a:rPr lang="en-US" dirty="0"/>
+              <a:t> object at 0x7fc5cf2c6400&gt;), ('one', &lt;</a:t>
+            </a:r>
+            <a:r>
+              <a:rPr lang="en-US" dirty="0" err="1"/>
+              <a:t>pyspark.resultiterable.ResultIterable</a:t>
+            </a:r>
+            <a:r>
+              <a:rPr lang="en-US" dirty="0"/>
+              <a:t> object at 0x7fc5cf2c6438&gt;)]</a:t>
+            </a:r>
+          </a:p>
           <a:p>
             <a:pPr marL="0" indent="0">
               <a:buNone/>
             </a:pPr>
             <a:endParaRPr lang="en-US" dirty="0"/>
           </a:p>
-          <a:p>
-            <a:pPr marL="0" indent="0">
-              <a:buNone/>
-            </a:pPr>
-            <a:endParaRPr lang="en-US" dirty="0"/>
-          </a:p>
-        </p:txBody>
-      </p:sp>
-      <p:pic>
-        <p:nvPicPr>
-          <p:cNvPr id="5" name="Picture 4" descr="A screenshot of a cell phone&#13;&#10;&#13;&#10;Description automatically generated">
-            <a:extLst>
-              <a:ext uri="{FF2B5EF4-FFF2-40B4-BE49-F238E27FC236}">
-                <a16:creationId xmlns:a16="http://schemas.microsoft.com/office/drawing/2014/main" id="{31896911-927C-C64E-A126-689AE937DEB3}"/>
-              </a:ext>
-            </a:extLst>
-          </p:cNvPr>
-          <p:cNvPicPr>
-            <a:picLocks noChangeAspect="1"/>
-          </p:cNvPicPr>
-          <p:nvPr/>
-        </p:nvPicPr>
-        <p:blipFill>
-          <a:blip r:embed="rId2"/>
-          <a:stretch>
-            <a:fillRect/>
-          </a:stretch>
-        </p:blipFill>
-        <p:spPr>
-          <a:xfrm>
-            <a:off x="622316" y="1554162"/>
-            <a:ext cx="10280634" cy="4351338"/>
-          </a:xfrm>
-          <a:prstGeom prst="rect">
-            <a:avLst/>
-          </a:prstGeom>
-        </p:spPr>
-      </p:pic>
+        </p:txBody>
+      </p:sp>
     </p:spTree>
     <p:extLst>
       <p:ext uri="{BB962C8B-B14F-4D97-AF65-F5344CB8AC3E}">
-        <p14:creationId xmlns:p14="http://schemas.microsoft.com/office/powerpoint/2010/main" val="542076063"/>
+        <p14:creationId xmlns:p14="http://schemas.microsoft.com/office/powerpoint/2010/main" val="3564182691"/>
       </p:ext>
     </p:extLst>
   </p:cSld>
@@ -3525,6 +3697,1108 @@
 </file>
 
 <file path=ppt/slides/slide11.xml><?xml version="1.0" encoding="utf-8"?>
+<p:sld xmlns:a="http://schemas.openxmlformats.org/drawingml/2006/main" xmlns:r="http://schemas.openxmlformats.org/officeDocument/2006/relationships" xmlns:p="http://schemas.openxmlformats.org/presentationml/2006/main">
+  <p:cSld>
+    <p:spTree>
+      <p:nvGrpSpPr>
+        <p:cNvPr id="1" name=""/>
+        <p:cNvGrpSpPr/>
+        <p:nvPr/>
+      </p:nvGrpSpPr>
+      <p:grpSpPr>
+        <a:xfrm>
+          <a:off x="0" y="0"/>
+          <a:ext cx="0" cy="0"/>
+          <a:chOff x="0" y="0"/>
+          <a:chExt cx="0" cy="0"/>
+        </a:xfrm>
+      </p:grpSpPr>
+      <p:sp>
+        <p:nvSpPr>
+          <p:cNvPr id="2" name="Title 1">
+            <a:extLst>
+              <a:ext uri="{FF2B5EF4-FFF2-40B4-BE49-F238E27FC236}">
+                <a16:creationId xmlns:a16="http://schemas.microsoft.com/office/drawing/2014/main" id="{87F02305-3DCA-1A45-A67D-EA42101DAAA0}"/>
+              </a:ext>
+            </a:extLst>
+          </p:cNvPr>
+          <p:cNvSpPr>
+            <a:spLocks noGrp="1"/>
+          </p:cNvSpPr>
+          <p:nvPr>
+            <p:ph type="title"/>
+          </p:nvPr>
+        </p:nvSpPr>
+        <p:spPr/>
+        <p:txBody>
+          <a:bodyPr/>
+          <a:lstStyle/>
+          <a:p>
+            <a:r>
+              <a:rPr lang="en-US" dirty="0" err="1"/>
+              <a:t>groupByKey</a:t>
+            </a:r>
+            <a:r>
+              <a:rPr lang="en-US" dirty="0"/>
+              <a:t>()</a:t>
+            </a:r>
+          </a:p>
+        </p:txBody>
+      </p:sp>
+      <p:sp>
+        <p:nvSpPr>
+          <p:cNvPr id="3" name="Content Placeholder 2">
+            <a:extLst>
+              <a:ext uri="{FF2B5EF4-FFF2-40B4-BE49-F238E27FC236}">
+                <a16:creationId xmlns:a16="http://schemas.microsoft.com/office/drawing/2014/main" id="{47B0C754-3E5F-E54C-9E96-7E6F793E8C48}"/>
+              </a:ext>
+            </a:extLst>
+          </p:cNvPr>
+          <p:cNvSpPr>
+            <a:spLocks noGrp="1"/>
+          </p:cNvSpPr>
+          <p:nvPr>
+            <p:ph idx="1"/>
+          </p:nvPr>
+        </p:nvSpPr>
+        <p:spPr/>
+        <p:txBody>
+          <a:bodyPr>
+            <a:normAutofit lnSpcReduction="10000"/>
+          </a:bodyPr>
+          <a:lstStyle/>
+          <a:p>
+            <a:pPr marL="0" indent="0">
+              <a:buNone/>
+            </a:pPr>
+            <a:r>
+              <a:rPr lang="en-US" dirty="0" err="1"/>
+              <a:t>rdd</a:t>
+            </a:r>
+            <a:r>
+              <a:rPr lang="en-US" dirty="0"/>
+              <a:t> = [('one', 1), ('two', 1), ('two', 1), ('three', 1), ('three', 1), ('three', 1)]</a:t>
+            </a:r>
+          </a:p>
+          <a:p>
+            <a:pPr marL="0" indent="0">
+              <a:buNone/>
+            </a:pPr>
+            <a:endParaRPr lang="en-US" dirty="0"/>
+          </a:p>
+          <a:p>
+            <a:pPr marL="0" indent="0">
+              <a:buNone/>
+            </a:pPr>
+            <a:r>
+              <a:rPr lang="en-US" dirty="0"/>
+              <a:t># </a:t>
+            </a:r>
+            <a:r>
+              <a:rPr lang="en-US" dirty="0" err="1"/>
+              <a:t>GroupByKey</a:t>
+            </a:r>
+            <a:r>
+              <a:rPr lang="en-US" dirty="0"/>
+              <a:t> then </a:t>
+            </a:r>
+            <a:r>
+              <a:rPr lang="en-US" b="1" i="1" dirty="0">
+                <a:solidFill>
+                  <a:schemeClr val="accent1">
+                    <a:lumMod val="75000"/>
+                  </a:schemeClr>
+                </a:solidFill>
+              </a:rPr>
+              <a:t>list</a:t>
+            </a:r>
+            <a:r>
+              <a:rPr lang="en-US" dirty="0"/>
+              <a:t> values (perform an action) </a:t>
+            </a:r>
+          </a:p>
+          <a:p>
+            <a:pPr marL="0" indent="0">
+              <a:buNone/>
+            </a:pPr>
+            <a:r>
+              <a:rPr lang="en-US" dirty="0"/>
+              <a:t>       </a:t>
+            </a:r>
+          </a:p>
+          <a:p>
+            <a:pPr marL="0" indent="0">
+              <a:buNone/>
+            </a:pPr>
+            <a:r>
+              <a:rPr lang="en-US" dirty="0"/>
+              <a:t>  </a:t>
+            </a:r>
+            <a:r>
+              <a:rPr lang="en-US" dirty="0" err="1"/>
+              <a:t>rdd.</a:t>
+            </a:r>
+            <a:r>
+              <a:rPr lang="en-US" b="1" i="1" dirty="0" err="1">
+                <a:solidFill>
+                  <a:schemeClr val="accent1">
+                    <a:lumMod val="75000"/>
+                  </a:schemeClr>
+                </a:solidFill>
+              </a:rPr>
+              <a:t>groupByKey</a:t>
+            </a:r>
+            <a:r>
+              <a:rPr lang="en-US" dirty="0"/>
+              <a:t>()    \</a:t>
+            </a:r>
+          </a:p>
+          <a:p>
+            <a:pPr marL="0" indent="0">
+              <a:buNone/>
+            </a:pPr>
+            <a:r>
+              <a:rPr lang="en-US" dirty="0"/>
+              <a:t>               .</a:t>
+            </a:r>
+            <a:r>
+              <a:rPr lang="en-US" dirty="0" err="1"/>
+              <a:t>mapValues</a:t>
+            </a:r>
+            <a:r>
+              <a:rPr lang="en-US" dirty="0"/>
+              <a:t>(list)</a:t>
+            </a:r>
+          </a:p>
+          <a:p>
+            <a:pPr marL="0" indent="0">
+              <a:buNone/>
+            </a:pPr>
+            <a:endParaRPr lang="en-US" dirty="0"/>
+          </a:p>
+          <a:p>
+            <a:pPr marL="0" indent="0">
+              <a:buNone/>
+            </a:pPr>
+            <a:endParaRPr lang="en-US" dirty="0"/>
+          </a:p>
+          <a:p>
+            <a:pPr marL="0" indent="0">
+              <a:buNone/>
+            </a:pPr>
+            <a:r>
+              <a:rPr lang="en-US" dirty="0"/>
+              <a:t>[('two', [1, 1]), ('three', [1, 1, 1]), ('one', [1])]</a:t>
+            </a:r>
+          </a:p>
+          <a:p>
+            <a:pPr marL="1828800" lvl="4" indent="0">
+              <a:buNone/>
+            </a:pPr>
+            <a:endParaRPr lang="en-US" dirty="0"/>
+          </a:p>
+        </p:txBody>
+      </p:sp>
+    </p:spTree>
+    <p:extLst>
+      <p:ext uri="{BB962C8B-B14F-4D97-AF65-F5344CB8AC3E}">
+        <p14:creationId xmlns:p14="http://schemas.microsoft.com/office/powerpoint/2010/main" val="4007684680"/>
+      </p:ext>
+    </p:extLst>
+  </p:cSld>
+  <p:clrMapOvr>
+    <a:masterClrMapping/>
+  </p:clrMapOvr>
+</p:sld>
+</file>
+
+<file path=ppt/slides/slide12.xml><?xml version="1.0" encoding="utf-8"?>
+<p:sld xmlns:a="http://schemas.openxmlformats.org/drawingml/2006/main" xmlns:r="http://schemas.openxmlformats.org/officeDocument/2006/relationships" xmlns:p="http://schemas.openxmlformats.org/presentationml/2006/main">
+  <p:cSld>
+    <p:spTree>
+      <p:nvGrpSpPr>
+        <p:cNvPr id="1" name=""/>
+        <p:cNvGrpSpPr/>
+        <p:nvPr/>
+      </p:nvGrpSpPr>
+      <p:grpSpPr>
+        <a:xfrm>
+          <a:off x="0" y="0"/>
+          <a:ext cx="0" cy="0"/>
+          <a:chOff x="0" y="0"/>
+          <a:chExt cx="0" cy="0"/>
+        </a:xfrm>
+      </p:grpSpPr>
+      <p:sp>
+        <p:nvSpPr>
+          <p:cNvPr id="2" name="Title 1">
+            <a:extLst>
+              <a:ext uri="{FF2B5EF4-FFF2-40B4-BE49-F238E27FC236}">
+                <a16:creationId xmlns:a16="http://schemas.microsoft.com/office/drawing/2014/main" id="{3B245323-828A-4E4B-9459-BA09F8EDBFDB}"/>
+              </a:ext>
+            </a:extLst>
+          </p:cNvPr>
+          <p:cNvSpPr>
+            <a:spLocks noGrp="1"/>
+          </p:cNvSpPr>
+          <p:nvPr>
+            <p:ph type="title"/>
+          </p:nvPr>
+        </p:nvSpPr>
+        <p:spPr/>
+        <p:txBody>
+          <a:bodyPr/>
+          <a:lstStyle/>
+          <a:p>
+            <a:r>
+              <a:rPr lang="en-US" dirty="0" err="1"/>
+              <a:t>GroupByKey</a:t>
+            </a:r>
+            <a:r>
+              <a:rPr lang="en-US" dirty="0"/>
+              <a:t> and Sum</a:t>
+            </a:r>
+          </a:p>
+        </p:txBody>
+      </p:sp>
+      <p:sp>
+        <p:nvSpPr>
+          <p:cNvPr id="3" name="Content Placeholder 2">
+            <a:extLst>
+              <a:ext uri="{FF2B5EF4-FFF2-40B4-BE49-F238E27FC236}">
+                <a16:creationId xmlns:a16="http://schemas.microsoft.com/office/drawing/2014/main" id="{C8B64E9D-5C67-D64E-A6BF-2EF3C9AB2586}"/>
+              </a:ext>
+            </a:extLst>
+          </p:cNvPr>
+          <p:cNvSpPr>
+            <a:spLocks noGrp="1"/>
+          </p:cNvSpPr>
+          <p:nvPr>
+            <p:ph idx="1"/>
+          </p:nvPr>
+        </p:nvSpPr>
+        <p:spPr/>
+        <p:txBody>
+          <a:bodyPr/>
+          <a:lstStyle/>
+          <a:p>
+            <a:endParaRPr lang="en-US" dirty="0"/>
+          </a:p>
+          <a:p>
+            <a:pPr marL="0" indent="0">
+              <a:buNone/>
+            </a:pPr>
+            <a:r>
+              <a:rPr lang="en-US" dirty="0" err="1"/>
+              <a:t>rdd</a:t>
+            </a:r>
+            <a:r>
+              <a:rPr lang="en-US" dirty="0"/>
+              <a:t> = [('one', 1), ('two', 1), ('two', 1), ('three', 1), ('three', 1), ('three', 1)]</a:t>
+            </a:r>
+          </a:p>
+          <a:p>
+            <a:endParaRPr lang="en-US" dirty="0"/>
+          </a:p>
+          <a:p>
+            <a:pPr marL="0" indent="0">
+              <a:buNone/>
+            </a:pPr>
+            <a:r>
+              <a:rPr lang="en-US" dirty="0" err="1"/>
+              <a:t>rdd.</a:t>
+            </a:r>
+            <a:r>
+              <a:rPr lang="en-US" b="1" i="1" dirty="0" err="1">
+                <a:solidFill>
+                  <a:schemeClr val="accent1">
+                    <a:lumMod val="75000"/>
+                  </a:schemeClr>
+                </a:solidFill>
+              </a:rPr>
+              <a:t>groupByKey</a:t>
+            </a:r>
+            <a:r>
+              <a:rPr lang="en-US" dirty="0"/>
+              <a:t>().</a:t>
+            </a:r>
+            <a:r>
+              <a:rPr lang="en-US" dirty="0" err="1"/>
+              <a:t>mapValues</a:t>
+            </a:r>
+            <a:r>
+              <a:rPr lang="en-US" dirty="0"/>
+              <a:t>(</a:t>
+            </a:r>
+            <a:r>
+              <a:rPr lang="en-US" b="1" i="1" dirty="0">
+                <a:solidFill>
+                  <a:schemeClr val="accent1">
+                    <a:lumMod val="75000"/>
+                  </a:schemeClr>
+                </a:solidFill>
+              </a:rPr>
+              <a:t>sum</a:t>
+            </a:r>
+            <a:r>
+              <a:rPr lang="en-US" dirty="0"/>
+              <a:t>)</a:t>
+            </a:r>
+          </a:p>
+          <a:p>
+            <a:pPr marL="0" indent="0">
+              <a:buNone/>
+            </a:pPr>
+            <a:endParaRPr lang="en-US" dirty="0"/>
+          </a:p>
+          <a:p>
+            <a:pPr marL="0" indent="0">
+              <a:buNone/>
+            </a:pPr>
+            <a:r>
+              <a:rPr lang="en-US" dirty="0"/>
+              <a:t>[('two', 2), ('three', 3), ('one', 1)]</a:t>
+            </a:r>
+          </a:p>
+        </p:txBody>
+      </p:sp>
+    </p:spTree>
+    <p:extLst>
+      <p:ext uri="{BB962C8B-B14F-4D97-AF65-F5344CB8AC3E}">
+        <p14:creationId xmlns:p14="http://schemas.microsoft.com/office/powerpoint/2010/main" val="3249899693"/>
+      </p:ext>
+    </p:extLst>
+  </p:cSld>
+  <p:clrMapOvr>
+    <a:masterClrMapping/>
+  </p:clrMapOvr>
+</p:sld>
+</file>
+
+<file path=ppt/slides/slide13.xml><?xml version="1.0" encoding="utf-8"?>
+<p:sld xmlns:a="http://schemas.openxmlformats.org/drawingml/2006/main" xmlns:r="http://schemas.openxmlformats.org/officeDocument/2006/relationships" xmlns:p="http://schemas.openxmlformats.org/presentationml/2006/main">
+  <p:cSld>
+    <p:spTree>
+      <p:nvGrpSpPr>
+        <p:cNvPr id="1" name=""/>
+        <p:cNvGrpSpPr/>
+        <p:nvPr/>
+      </p:nvGrpSpPr>
+      <p:grpSpPr>
+        <a:xfrm>
+          <a:off x="0" y="0"/>
+          <a:ext cx="0" cy="0"/>
+          <a:chOff x="0" y="0"/>
+          <a:chExt cx="0" cy="0"/>
+        </a:xfrm>
+      </p:grpSpPr>
+      <p:sp>
+        <p:nvSpPr>
+          <p:cNvPr id="2" name="Title 1">
+            <a:extLst>
+              <a:ext uri="{FF2B5EF4-FFF2-40B4-BE49-F238E27FC236}">
+                <a16:creationId xmlns:a16="http://schemas.microsoft.com/office/drawing/2014/main" id="{7085FCE2-72C5-1D44-978C-966D8CF1F90F}"/>
+              </a:ext>
+            </a:extLst>
+          </p:cNvPr>
+          <p:cNvSpPr>
+            <a:spLocks noGrp="1"/>
+          </p:cNvSpPr>
+          <p:nvPr>
+            <p:ph type="title"/>
+          </p:nvPr>
+        </p:nvSpPr>
+        <p:spPr/>
+        <p:txBody>
+          <a:bodyPr/>
+          <a:lstStyle/>
+          <a:p>
+            <a:r>
+              <a:rPr lang="en-US" dirty="0" err="1"/>
+              <a:t>ReduceByKey</a:t>
+            </a:r>
+            <a:r>
+              <a:rPr lang="en-US" dirty="0"/>
+              <a:t>(function) – A Transformation</a:t>
+            </a:r>
+          </a:p>
+        </p:txBody>
+      </p:sp>
+      <p:sp>
+        <p:nvSpPr>
+          <p:cNvPr id="3" name="Content Placeholder 2">
+            <a:extLst>
+              <a:ext uri="{FF2B5EF4-FFF2-40B4-BE49-F238E27FC236}">
+                <a16:creationId xmlns:a16="http://schemas.microsoft.com/office/drawing/2014/main" id="{E849B08B-2930-3044-9BF2-C76A6F671A9D}"/>
+              </a:ext>
+            </a:extLst>
+          </p:cNvPr>
+          <p:cNvSpPr>
+            <a:spLocks noGrp="1"/>
+          </p:cNvSpPr>
+          <p:nvPr>
+            <p:ph idx="1"/>
+          </p:nvPr>
+        </p:nvSpPr>
+        <p:spPr/>
+        <p:txBody>
+          <a:bodyPr>
+            <a:normAutofit/>
+          </a:bodyPr>
+          <a:lstStyle/>
+          <a:p>
+            <a:pPr marL="0" indent="0">
+              <a:buNone/>
+            </a:pPr>
+            <a:r>
+              <a:rPr lang="en-US" dirty="0" err="1"/>
+              <a:t>rdd</a:t>
+            </a:r>
+            <a:r>
+              <a:rPr lang="en-US" dirty="0"/>
+              <a:t> = [('one', 1), ('two', 1), ('two', 1), ('three', 1), ('three', 1), ('three', 1)]</a:t>
+            </a:r>
+          </a:p>
+          <a:p>
+            <a:pPr marL="0" indent="0">
+              <a:buNone/>
+            </a:pPr>
+            <a:endParaRPr lang="en-US" dirty="0"/>
+          </a:p>
+          <a:p>
+            <a:pPr marL="0" indent="0">
+              <a:buNone/>
+            </a:pPr>
+            <a:r>
+              <a:rPr lang="en-US" dirty="0" err="1"/>
+              <a:t>rdd</a:t>
+            </a:r>
+            <a:r>
+              <a:rPr lang="es-ES" dirty="0"/>
+              <a:t>.</a:t>
+            </a:r>
+            <a:r>
+              <a:rPr lang="es-ES" dirty="0" err="1"/>
+              <a:t>reduceByKey</a:t>
+            </a:r>
+            <a:r>
+              <a:rPr lang="es-ES" dirty="0"/>
+              <a:t>(lambda x, y : x + y)</a:t>
+            </a:r>
+          </a:p>
+          <a:p>
+            <a:pPr marL="0" indent="0">
+              <a:buNone/>
+            </a:pPr>
+            <a:endParaRPr lang="es-ES" dirty="0"/>
+          </a:p>
+          <a:p>
+            <a:pPr marL="0" indent="0">
+              <a:buNone/>
+            </a:pPr>
+            <a:r>
+              <a:rPr lang="en-US" dirty="0"/>
+              <a:t>[('two', 2), ('three', 3), ('one', 1)]</a:t>
+            </a:r>
+          </a:p>
+          <a:p>
+            <a:pPr marL="0" indent="0">
+              <a:buNone/>
+            </a:pPr>
+            <a:endParaRPr lang="en-US" dirty="0"/>
+          </a:p>
+          <a:p>
+            <a:pPr marL="0" indent="0">
+              <a:buNone/>
+            </a:pPr>
+            <a:r>
+              <a:rPr lang="en-US" dirty="0"/>
+              <a:t>      </a:t>
+            </a:r>
+          </a:p>
+        </p:txBody>
+      </p:sp>
+    </p:spTree>
+    <p:extLst>
+      <p:ext uri="{BB962C8B-B14F-4D97-AF65-F5344CB8AC3E}">
+        <p14:creationId xmlns:p14="http://schemas.microsoft.com/office/powerpoint/2010/main" val="334447724"/>
+      </p:ext>
+    </p:extLst>
+  </p:cSld>
+  <p:clrMapOvr>
+    <a:masterClrMapping/>
+  </p:clrMapOvr>
+</p:sld>
+</file>
+
+<file path=ppt/slides/slide14.xml><?xml version="1.0" encoding="utf-8"?>
+<p:sld xmlns:a="http://schemas.openxmlformats.org/drawingml/2006/main" xmlns:r="http://schemas.openxmlformats.org/officeDocument/2006/relationships" xmlns:p="http://schemas.openxmlformats.org/presentationml/2006/main">
+  <p:cSld>
+    <p:spTree>
+      <p:nvGrpSpPr>
+        <p:cNvPr id="1" name=""/>
+        <p:cNvGrpSpPr/>
+        <p:nvPr/>
+      </p:nvGrpSpPr>
+      <p:grpSpPr>
+        <a:xfrm>
+          <a:off x="0" y="0"/>
+          <a:ext cx="0" cy="0"/>
+          <a:chOff x="0" y="0"/>
+          <a:chExt cx="0" cy="0"/>
+        </a:xfrm>
+      </p:grpSpPr>
+      <p:sp>
+        <p:nvSpPr>
+          <p:cNvPr id="2" name="Title 1">
+            <a:extLst>
+              <a:ext uri="{FF2B5EF4-FFF2-40B4-BE49-F238E27FC236}">
+                <a16:creationId xmlns:a16="http://schemas.microsoft.com/office/drawing/2014/main" id="{7085FCE2-72C5-1D44-978C-966D8CF1F90F}"/>
+              </a:ext>
+            </a:extLst>
+          </p:cNvPr>
+          <p:cNvSpPr>
+            <a:spLocks noGrp="1"/>
+          </p:cNvSpPr>
+          <p:nvPr>
+            <p:ph type="title"/>
+          </p:nvPr>
+        </p:nvSpPr>
+        <p:spPr/>
+        <p:txBody>
+          <a:bodyPr/>
+          <a:lstStyle/>
+          <a:p>
+            <a:r>
+              <a:rPr lang="en-US" dirty="0" err="1"/>
+              <a:t>ReduceByKey</a:t>
+            </a:r>
+            <a:r>
+              <a:rPr lang="en-US" dirty="0"/>
+              <a:t>(function) – A Transformation</a:t>
+            </a:r>
+          </a:p>
+        </p:txBody>
+      </p:sp>
+      <p:sp>
+        <p:nvSpPr>
+          <p:cNvPr id="3" name="Content Placeholder 2">
+            <a:extLst>
+              <a:ext uri="{FF2B5EF4-FFF2-40B4-BE49-F238E27FC236}">
+                <a16:creationId xmlns:a16="http://schemas.microsoft.com/office/drawing/2014/main" id="{E849B08B-2930-3044-9BF2-C76A6F671A9D}"/>
+              </a:ext>
+            </a:extLst>
+          </p:cNvPr>
+          <p:cNvSpPr>
+            <a:spLocks noGrp="1"/>
+          </p:cNvSpPr>
+          <p:nvPr>
+            <p:ph idx="1"/>
+          </p:nvPr>
+        </p:nvSpPr>
+        <p:spPr/>
+        <p:txBody>
+          <a:bodyPr>
+            <a:normAutofit/>
+          </a:bodyPr>
+          <a:lstStyle/>
+          <a:p>
+            <a:pPr marL="0" indent="0">
+              <a:buNone/>
+            </a:pPr>
+            <a:r>
+              <a:rPr lang="en-US" dirty="0" err="1"/>
+              <a:t>rdd</a:t>
+            </a:r>
+            <a:r>
+              <a:rPr lang="en-US" dirty="0"/>
+              <a:t> = [('one', 1), ('two', 1), ('two', 1), ('three', 1), ('three', 1), ('three', 1)]</a:t>
+            </a:r>
+          </a:p>
+          <a:p>
+            <a:pPr marL="0" indent="0">
+              <a:buNone/>
+            </a:pPr>
+            <a:endParaRPr lang="en-US" dirty="0"/>
+          </a:p>
+          <a:p>
+            <a:pPr marL="0" indent="0">
+              <a:buNone/>
+            </a:pPr>
+            <a:r>
+              <a:rPr lang="en-US" dirty="0" err="1"/>
+              <a:t>wordCountsWithReduce</a:t>
+            </a:r>
+            <a:r>
+              <a:rPr lang="en-US" dirty="0"/>
+              <a:t> = </a:t>
+            </a:r>
+            <a:r>
+              <a:rPr lang="en-US" dirty="0" err="1"/>
+              <a:t>rdd.reduceByKey</a:t>
+            </a:r>
+            <a:r>
+              <a:rPr lang="en-US" dirty="0"/>
+              <a:t>(lambda x, y : x + y)</a:t>
+            </a:r>
+          </a:p>
+          <a:p>
+            <a:pPr marL="0" indent="0">
+              <a:buNone/>
+            </a:pPr>
+            <a:r>
+              <a:rPr lang="en-US" dirty="0"/>
+              <a:t>print(type(</a:t>
+            </a:r>
+            <a:r>
+              <a:rPr lang="en-US" dirty="0" err="1"/>
+              <a:t>wordCountsWithReduce</a:t>
+            </a:r>
+            <a:r>
+              <a:rPr lang="en-US" dirty="0"/>
+              <a:t>))</a:t>
+            </a:r>
+          </a:p>
+          <a:p>
+            <a:pPr marL="0" indent="0">
+              <a:buNone/>
+            </a:pPr>
+            <a:endParaRPr lang="en-US" dirty="0"/>
+          </a:p>
+          <a:p>
+            <a:pPr marL="0" indent="0">
+              <a:buNone/>
+            </a:pPr>
+            <a:r>
+              <a:rPr lang="en-US" dirty="0"/>
+              <a:t>class '</a:t>
+            </a:r>
+            <a:r>
+              <a:rPr lang="en-US" dirty="0" err="1"/>
+              <a:t>pyspark.rdd.PipelinedRDD</a:t>
+            </a:r>
+            <a:r>
+              <a:rPr lang="en-US" dirty="0"/>
+              <a:t>'&gt;</a:t>
+            </a:r>
+          </a:p>
+          <a:p>
+            <a:pPr marL="0" indent="0">
+              <a:buNone/>
+            </a:pPr>
+            <a:r>
+              <a:rPr lang="en-US" dirty="0"/>
+              <a:t>      </a:t>
+            </a:r>
+          </a:p>
+        </p:txBody>
+      </p:sp>
+    </p:spTree>
+    <p:extLst>
+      <p:ext uri="{BB962C8B-B14F-4D97-AF65-F5344CB8AC3E}">
+        <p14:creationId xmlns:p14="http://schemas.microsoft.com/office/powerpoint/2010/main" val="1928203532"/>
+      </p:ext>
+    </p:extLst>
+  </p:cSld>
+  <p:clrMapOvr>
+    <a:masterClrMapping/>
+  </p:clrMapOvr>
+</p:sld>
+</file>
+
+<file path=ppt/slides/slide15.xml><?xml version="1.0" encoding="utf-8"?>
+<p:sld xmlns:a="http://schemas.openxmlformats.org/drawingml/2006/main" xmlns:r="http://schemas.openxmlformats.org/officeDocument/2006/relationships" xmlns:p="http://schemas.openxmlformats.org/presentationml/2006/main">
+  <p:cSld>
+    <p:spTree>
+      <p:nvGrpSpPr>
+        <p:cNvPr id="1" name=""/>
+        <p:cNvGrpSpPr/>
+        <p:nvPr/>
+      </p:nvGrpSpPr>
+      <p:grpSpPr>
+        <a:xfrm>
+          <a:off x="0" y="0"/>
+          <a:ext cx="0" cy="0"/>
+          <a:chOff x="0" y="0"/>
+          <a:chExt cx="0" cy="0"/>
+        </a:xfrm>
+      </p:grpSpPr>
+      <p:sp>
+        <p:nvSpPr>
+          <p:cNvPr id="2" name="Title 1">
+            <a:extLst>
+              <a:ext uri="{FF2B5EF4-FFF2-40B4-BE49-F238E27FC236}">
+                <a16:creationId xmlns:a16="http://schemas.microsoft.com/office/drawing/2014/main" id="{92E8C562-9C63-BB4F-B3FF-D201837A82E4}"/>
+              </a:ext>
+            </a:extLst>
+          </p:cNvPr>
+          <p:cNvSpPr>
+            <a:spLocks noGrp="1"/>
+          </p:cNvSpPr>
+          <p:nvPr>
+            <p:ph type="title"/>
+          </p:nvPr>
+        </p:nvSpPr>
+        <p:spPr/>
+        <p:txBody>
+          <a:bodyPr/>
+          <a:lstStyle/>
+          <a:p>
+            <a:r>
+              <a:rPr lang="en-US" dirty="0" err="1"/>
+              <a:t>ReduceByKey</a:t>
+            </a:r>
+            <a:r>
+              <a:rPr lang="en-US" dirty="0"/>
+              <a:t>(</a:t>
+            </a:r>
+            <a:r>
+              <a:rPr lang="en-US" dirty="0" err="1"/>
+              <a:t>func</a:t>
+            </a:r>
+            <a:r>
+              <a:rPr lang="en-US" dirty="0"/>
+              <a:t>) followed by Action</a:t>
+            </a:r>
+          </a:p>
+        </p:txBody>
+      </p:sp>
+      <p:sp>
+        <p:nvSpPr>
+          <p:cNvPr id="4" name="Content Placeholder 3">
+            <a:extLst>
+              <a:ext uri="{FF2B5EF4-FFF2-40B4-BE49-F238E27FC236}">
+                <a16:creationId xmlns:a16="http://schemas.microsoft.com/office/drawing/2014/main" id="{B1121670-D53E-4F49-A2AC-6766D14CAADC}"/>
+              </a:ext>
+            </a:extLst>
+          </p:cNvPr>
+          <p:cNvSpPr>
+            <a:spLocks noGrp="1"/>
+          </p:cNvSpPr>
+          <p:nvPr>
+            <p:ph idx="1"/>
+          </p:nvPr>
+        </p:nvSpPr>
+        <p:spPr/>
+        <p:txBody>
+          <a:bodyPr/>
+          <a:lstStyle/>
+          <a:p>
+            <a:pPr marL="0" indent="0">
+              <a:buNone/>
+            </a:pPr>
+            <a:r>
+              <a:rPr lang="en-US" dirty="0" err="1"/>
+              <a:t>wordCountsWithReduce</a:t>
+            </a:r>
+            <a:r>
+              <a:rPr lang="en-US" dirty="0"/>
+              <a:t> =  </a:t>
+            </a:r>
+            <a:r>
+              <a:rPr lang="en-US" dirty="0" err="1"/>
+              <a:t>rdd.reduceByKey</a:t>
+            </a:r>
+            <a:r>
+              <a:rPr lang="en-US" dirty="0"/>
+              <a:t>(lambda x, y : x + y)</a:t>
+            </a:r>
+          </a:p>
+          <a:p>
+            <a:pPr marL="0" indent="0">
+              <a:buNone/>
+            </a:pPr>
+            <a:endParaRPr lang="en-US" dirty="0"/>
+          </a:p>
+          <a:p>
+            <a:pPr marL="0" indent="0">
+              <a:buNone/>
+            </a:pPr>
+            <a:r>
+              <a:rPr lang="en-US" dirty="0"/>
+              <a:t>print(</a:t>
+            </a:r>
+            <a:r>
+              <a:rPr lang="en-US" dirty="0" err="1"/>
+              <a:t>wordCountsWithReduce.collect</a:t>
+            </a:r>
+            <a:r>
+              <a:rPr lang="en-US" dirty="0"/>
+              <a:t>())</a:t>
+            </a:r>
+          </a:p>
+          <a:p>
+            <a:pPr marL="0" indent="0">
+              <a:buNone/>
+            </a:pPr>
+            <a:endParaRPr lang="en-US" dirty="0"/>
+          </a:p>
+          <a:p>
+            <a:pPr marL="0" indent="0">
+              <a:buNone/>
+            </a:pPr>
+            <a:r>
+              <a:rPr lang="en-US" dirty="0"/>
+              <a:t>[('two', 2), ('three', 3), ('one', 1)]</a:t>
+            </a:r>
+          </a:p>
+          <a:p>
+            <a:pPr marL="0" indent="0">
+              <a:buNone/>
+            </a:pPr>
+            <a:endParaRPr lang="en-US" dirty="0"/>
+          </a:p>
+          <a:p>
+            <a:pPr marL="0" indent="0">
+              <a:buNone/>
+            </a:pPr>
+            <a:endParaRPr lang="en-US" dirty="0"/>
+          </a:p>
+          <a:p>
+            <a:pPr marL="0" indent="0">
+              <a:buNone/>
+            </a:pPr>
+            <a:endParaRPr lang="en-US" dirty="0"/>
+          </a:p>
+        </p:txBody>
+      </p:sp>
+    </p:spTree>
+    <p:extLst>
+      <p:ext uri="{BB962C8B-B14F-4D97-AF65-F5344CB8AC3E}">
+        <p14:creationId xmlns:p14="http://schemas.microsoft.com/office/powerpoint/2010/main" val="1061966265"/>
+      </p:ext>
+    </p:extLst>
+  </p:cSld>
+  <p:clrMapOvr>
+    <a:masterClrMapping/>
+  </p:clrMapOvr>
+</p:sld>
+</file>
+
+<file path=ppt/slides/slide16.xml><?xml version="1.0" encoding="utf-8"?>
+<p:sld xmlns:a="http://schemas.openxmlformats.org/drawingml/2006/main" xmlns:r="http://schemas.openxmlformats.org/officeDocument/2006/relationships" xmlns:p="http://schemas.openxmlformats.org/presentationml/2006/main">
+  <p:cSld>
+    <p:spTree>
+      <p:nvGrpSpPr>
+        <p:cNvPr id="1" name=""/>
+        <p:cNvGrpSpPr/>
+        <p:nvPr/>
+      </p:nvGrpSpPr>
+      <p:grpSpPr>
+        <a:xfrm>
+          <a:off x="0" y="0"/>
+          <a:ext cx="0" cy="0"/>
+          <a:chOff x="0" y="0"/>
+          <a:chExt cx="0" cy="0"/>
+        </a:xfrm>
+      </p:grpSpPr>
+      <p:sp>
+        <p:nvSpPr>
+          <p:cNvPr id="2" name="Title 1">
+            <a:extLst>
+              <a:ext uri="{FF2B5EF4-FFF2-40B4-BE49-F238E27FC236}">
+                <a16:creationId xmlns:a16="http://schemas.microsoft.com/office/drawing/2014/main" id="{6B7A2162-F835-7842-BFD9-C566C6C0858C}"/>
+              </a:ext>
+            </a:extLst>
+          </p:cNvPr>
+          <p:cNvSpPr>
+            <a:spLocks noGrp="1"/>
+          </p:cNvSpPr>
+          <p:nvPr>
+            <p:ph type="title"/>
+          </p:nvPr>
+        </p:nvSpPr>
+        <p:spPr>
+          <a:xfrm>
+            <a:off x="838200" y="365125"/>
+            <a:ext cx="10515600" cy="1325563"/>
+          </a:xfrm>
+        </p:spPr>
+        <p:txBody>
+          <a:bodyPr/>
+          <a:lstStyle/>
+          <a:p>
+            <a:r>
+              <a:rPr lang="en-US" dirty="0"/>
+              <a:t>Key-Value Pairs (Pair RDDs)</a:t>
+            </a:r>
+          </a:p>
+        </p:txBody>
+      </p:sp>
+      <p:sp>
+        <p:nvSpPr>
+          <p:cNvPr id="3" name="Content Placeholder 2">
+            <a:extLst>
+              <a:ext uri="{FF2B5EF4-FFF2-40B4-BE49-F238E27FC236}">
+                <a16:creationId xmlns:a16="http://schemas.microsoft.com/office/drawing/2014/main" id="{555E40DB-DFAB-ED42-B821-07136CE2F879}"/>
+              </a:ext>
+            </a:extLst>
+          </p:cNvPr>
+          <p:cNvSpPr>
+            <a:spLocks noGrp="1"/>
+          </p:cNvSpPr>
+          <p:nvPr>
+            <p:ph idx="1"/>
+          </p:nvPr>
+        </p:nvSpPr>
+        <p:spPr>
+          <a:xfrm>
+            <a:off x="838200" y="1825625"/>
+            <a:ext cx="10515600" cy="4351338"/>
+          </a:xfrm>
+        </p:spPr>
+        <p:txBody>
+          <a:bodyPr>
+            <a:normAutofit fontScale="92500" lnSpcReduction="20000"/>
+          </a:bodyPr>
+          <a:lstStyle/>
+          <a:p>
+            <a:r>
+              <a:rPr lang="en-US" dirty="0" err="1"/>
+              <a:t>ReduceByKey</a:t>
+            </a:r>
+            <a:r>
+              <a:rPr lang="en-US" dirty="0"/>
+              <a:t> – similar to </a:t>
+            </a:r>
+            <a:r>
+              <a:rPr lang="en-US" dirty="0" err="1"/>
+              <a:t>groupByKey</a:t>
+            </a:r>
+            <a:r>
+              <a:rPr lang="en-US" dirty="0"/>
+              <a:t> except it aggregates/reduces on the worker before shuffle.  </a:t>
+            </a:r>
+            <a:r>
+              <a:rPr lang="en-US" dirty="0" err="1"/>
+              <a:t>ReduceByKey</a:t>
+            </a:r>
+            <a:r>
+              <a:rPr lang="en-US" dirty="0"/>
+              <a:t> is preferred.</a:t>
+            </a:r>
+          </a:p>
+          <a:p>
+            <a:r>
+              <a:rPr lang="en-US" dirty="0"/>
+              <a:t>Performs a reduction in the </a:t>
+            </a:r>
+            <a:r>
+              <a:rPr lang="en-US" b="1" i="1" dirty="0"/>
+              <a:t>lambda </a:t>
+            </a:r>
+            <a:r>
+              <a:rPr lang="en-US" dirty="0"/>
+              <a:t>function.</a:t>
+            </a:r>
+          </a:p>
+          <a:p>
+            <a:pPr marL="0" indent="0">
+              <a:buNone/>
+            </a:pPr>
+            <a:endParaRPr lang="en-US" dirty="0"/>
+          </a:p>
+          <a:p>
+            <a:pPr marL="0" indent="0">
+              <a:buNone/>
+            </a:pPr>
+            <a:r>
+              <a:rPr lang="en-US" dirty="0"/>
+              <a:t>        </a:t>
+            </a:r>
+            <a:r>
+              <a:rPr lang="en-US" dirty="0" err="1"/>
+              <a:t>rdd.reduceByKey</a:t>
+            </a:r>
+            <a:r>
+              <a:rPr lang="en-US" dirty="0"/>
+              <a:t>(</a:t>
+            </a:r>
+            <a:r>
+              <a:rPr lang="en-US" b="1" i="1" dirty="0"/>
+              <a:t>lambda function</a:t>
+            </a:r>
+            <a:r>
+              <a:rPr lang="en-US" dirty="0"/>
+              <a:t>)</a:t>
+            </a:r>
+          </a:p>
+          <a:p>
+            <a:pPr marL="0" indent="0">
+              <a:buNone/>
+            </a:pPr>
+            <a:endParaRPr lang="en-US" dirty="0"/>
+          </a:p>
+          <a:p>
+            <a:pPr marL="0" indent="0">
+              <a:buNone/>
+            </a:pPr>
+            <a:r>
+              <a:rPr lang="en-US" dirty="0"/>
+              <a:t>The shape returned is a list of tuples:</a:t>
+            </a:r>
+          </a:p>
+          <a:p>
+            <a:pPr marL="0" indent="0">
+              <a:buNone/>
+            </a:pPr>
+            <a:r>
+              <a:rPr lang="en-US" dirty="0"/>
+              <a:t>[ (key1, value1),</a:t>
+            </a:r>
+          </a:p>
+          <a:p>
+            <a:pPr marL="0" indent="0">
+              <a:buNone/>
+            </a:pPr>
+            <a:r>
+              <a:rPr lang="en-US" dirty="0"/>
+              <a:t>   (key2, value2),</a:t>
+            </a:r>
+          </a:p>
+          <a:p>
+            <a:pPr marL="0" indent="0">
+              <a:buNone/>
+            </a:pPr>
+            <a:r>
+              <a:rPr lang="en-US" dirty="0"/>
+              <a:t>            ……</a:t>
+            </a:r>
+          </a:p>
+          <a:p>
+            <a:pPr marL="0" indent="0">
+              <a:buNone/>
+            </a:pPr>
+            <a:r>
+              <a:rPr lang="en-US" dirty="0"/>
+              <a:t>   (key3, value3) ]</a:t>
+            </a:r>
+          </a:p>
+          <a:p>
+            <a:pPr marL="0" indent="0">
+              <a:buNone/>
+            </a:pPr>
+            <a:endParaRPr lang="en-US" dirty="0"/>
+          </a:p>
+          <a:p>
+            <a:endParaRPr lang="en-US" dirty="0"/>
+          </a:p>
+        </p:txBody>
+      </p:sp>
+    </p:spTree>
+    <p:extLst>
+      <p:ext uri="{BB962C8B-B14F-4D97-AF65-F5344CB8AC3E}">
+        <p14:creationId xmlns:p14="http://schemas.microsoft.com/office/powerpoint/2010/main" val="3481878612"/>
+      </p:ext>
+    </p:extLst>
+  </p:cSld>
+  <p:clrMapOvr>
+    <a:masterClrMapping/>
+  </p:clrMapOvr>
+</p:sld>
+</file>
+
+<file path=ppt/slides/slide17.xml><?xml version="1.0" encoding="utf-8"?>
 <p:sld xmlns:a="http://schemas.openxmlformats.org/drawingml/2006/main" xmlns:r="http://schemas.openxmlformats.org/officeDocument/2006/relationships" xmlns:p="http://schemas.openxmlformats.org/presentationml/2006/main">
   <p:cSld>
     <p:spTree>
@@ -3650,7 +4924,21 @@
           <a:p>
             <a:r>
               <a:rPr lang="en-US" dirty="0"/>
-              <a:t>Key-Value Pairs (Pair RDDs)</a:t>
+              <a:t>Key-Value Pairs (</a:t>
+            </a:r>
+            <a:r>
+              <a:rPr lang="en-US" b="1" i="1" dirty="0">
+                <a:solidFill>
+                  <a:schemeClr val="accent1">
+                    <a:lumMod val="75000"/>
+                  </a:schemeClr>
+                </a:solidFill>
+              </a:rPr>
+              <a:t>Pair RDDs</a:t>
+            </a:r>
+            <a:r>
+              <a:rPr lang="en-US" dirty="0"/>
+              <a:t>)</a:t>
             </a:r>
           </a:p>
         </p:txBody>
@@ -3698,7 +4986,13 @@
               <a:t>In Python key-value pairs are </a:t>
             </a:r>
             <a:r>
-              <a:rPr lang="en-US" b="1" i="1" dirty="0"/>
+              <a:rPr lang="en-US" b="1" i="1" dirty="0">
+                <a:solidFill>
+                  <a:schemeClr val="accent1">
+                    <a:lumMod val="75000"/>
+                  </a:schemeClr>
+                </a:solidFill>
+              </a:rPr>
               <a:t>dictionaries</a:t>
             </a:r>
           </a:p>
@@ -3708,14 +5002,34 @@
               <a:t>In Java and Scala they are </a:t>
             </a:r>
             <a:r>
-              <a:rPr lang="en-US" b="1" i="1" dirty="0"/>
+              <a:rPr lang="en-US" b="1" i="1" dirty="0">
+                <a:solidFill>
+                  <a:schemeClr val="accent1">
+                    <a:lumMod val="75000"/>
+                  </a:schemeClr>
+                </a:solidFill>
+              </a:rPr>
               <a:t>maps</a:t>
             </a:r>
           </a:p>
           <a:p>
             <a:r>
               <a:rPr lang="en-US" dirty="0"/>
-              <a:t>Spark will make use of tuples to create a</a:t>
+              <a:t>Spark will make use of </a:t>
+            </a:r>
+            <a:r>
+              <a:rPr lang="en-US" b="1" i="1" dirty="0">
+                <a:solidFill>
+                  <a:schemeClr val="accent1">
+                    <a:lumMod val="75000"/>
+                  </a:schemeClr>
+                </a:solidFill>
+              </a:rPr>
+              <a:t>tuples</a:t>
+            </a:r>
+            <a:r>
+              <a:rPr lang="en-US" dirty="0"/>
+              <a:t> to create a</a:t>
             </a:r>
           </a:p>
           <a:p>
@@ -3871,6 +5185,57 @@
             </a:r>
           </a:p>
           <a:p>
+            <a:pPr marL="0" indent="0">
+              <a:buNone/>
+            </a:pPr>
+            <a:endParaRPr lang="en-US" dirty="0"/>
+          </a:p>
+          <a:p>
+            <a:pPr marL="0" indent="0">
+              <a:buNone/>
+            </a:pPr>
+            <a:r>
+              <a:rPr lang="en-US" dirty="0"/>
+              <a:t>Here we extract the first word from a line of text and place it in a </a:t>
+            </a:r>
+            <a:r>
+              <a:rPr lang="en-US" b="1" i="1" dirty="0">
+                <a:solidFill>
+                  <a:schemeClr val="accent1">
+                    <a:lumMod val="75000"/>
+                  </a:schemeClr>
+                </a:solidFill>
+              </a:rPr>
+              <a:t>tuple</a:t>
+            </a:r>
+            <a:r>
+              <a:rPr lang="en-US" dirty="0"/>
+              <a:t>: </a:t>
+            </a:r>
+          </a:p>
+          <a:p>
+            <a:pPr marL="0" indent="0">
+              <a:buNone/>
+            </a:pPr>
+            <a:r>
+              <a:rPr lang="en-US" dirty="0"/>
+              <a:t>“001 The quick brown fox “ ---- &gt;  </a:t>
+            </a:r>
+            <a:r>
+              <a:rPr lang="en-US" b="1" i="1" dirty="0">
+                <a:solidFill>
+                  <a:schemeClr val="accent1">
+                    <a:lumMod val="75000"/>
+                  </a:schemeClr>
+                </a:solidFill>
+              </a:rPr>
+              <a:t>(001, “001 The quick brown fox”)</a:t>
+            </a:r>
+          </a:p>
+          <a:p>
+            <a:pPr marL="0" indent="0">
+              <a:buNone/>
+            </a:pPr>
             <a:endParaRPr lang="en-US" dirty="0"/>
           </a:p>
           <a:p>
@@ -4087,7 +5452,15 @@
           <a:p>
             <a:r>
               <a:rPr lang="en-US" dirty="0"/>
-              <a:t>Key-Value Pairs (Pair RDDs)</a:t>
+              <a:t>Extracting </a:t>
+            </a:r>
+            <a:r>
+              <a:rPr lang="en-US"/>
+              <a:t>the Elements </a:t>
+            </a:r>
+            <a:r>
+              <a:rPr lang="en-US" dirty="0"/>
+              <a:t>of  Key-Value Pairs (Pair RDDs)</a:t>
             </a:r>
           </a:p>
         </p:txBody>
@@ -4115,7 +5488,21 @@
           <a:p>
             <a:r>
               <a:rPr lang="en-US" dirty="0"/>
-              <a:t>Examine the tuple created</a:t>
+              <a:t>Examine the </a:t>
+            </a:r>
+            <a:r>
+              <a:rPr lang="en-US" b="1" i="1" dirty="0">
+                <a:solidFill>
+                  <a:schemeClr val="accent1">
+                    <a:lumMod val="75000"/>
+                  </a:schemeClr>
+                </a:solidFill>
+              </a:rPr>
+              <a:t>tuple</a:t>
+            </a:r>
+            <a:r>
+              <a:rPr lang="en-US" dirty="0"/>
+              <a:t> created</a:t>
             </a:r>
           </a:p>
           <a:p>
@@ -4241,7 +5628,7 @@
         <p:spPr/>
         <p:txBody>
           <a:bodyPr>
-            <a:normAutofit fontScale="92500" lnSpcReduction="10000"/>
+            <a:normAutofit fontScale="77500" lnSpcReduction="20000"/>
           </a:bodyPr>
           <a:lstStyle/>
           <a:p>
@@ -4258,6 +5645,41 @@
               <a:buNone/>
             </a:pPr>
             <a:endParaRPr lang="en-US" dirty="0"/>
+          </a:p>
+          <a:p>
+            <a:pPr marL="0" indent="0">
+              <a:buNone/>
+            </a:pPr>
+            <a:r>
+              <a:rPr lang="en-US" dirty="0"/>
+              <a:t>          keys()</a:t>
+            </a:r>
+          </a:p>
+          <a:p>
+            <a:pPr marL="0" indent="0">
+              <a:buNone/>
+            </a:pPr>
+            <a:r>
+              <a:rPr lang="en-US" dirty="0"/>
+              <a:t>          values()</a:t>
+            </a:r>
+          </a:p>
+          <a:p>
+            <a:pPr marL="0" indent="0">
+              <a:buNone/>
+            </a:pPr>
+            <a:r>
+              <a:rPr lang="en-US" dirty="0"/>
+              <a:t>          </a:t>
+            </a:r>
+            <a:r>
+              <a:rPr lang="en-US" dirty="0" err="1"/>
+              <a:t>groupByKey</a:t>
+            </a:r>
+            <a:r>
+              <a:rPr lang="en-US" dirty="0"/>
+              <a:t>()</a:t>
+            </a:r>
           </a:p>
           <a:p>
             <a:pPr marL="0" indent="0">
@@ -4271,7 +5693,18 @@
               <a:rPr lang="en-US" dirty="0" err="1"/>
               <a:t>reduceByKey</a:t>
             </a:r>
-            <a:endParaRPr lang="en-US" dirty="0"/>
+            <a:r>
+              <a:rPr lang="en-US" dirty="0"/>
+              <a:t>(</a:t>
+            </a:r>
+            <a:r>
+              <a:rPr lang="en-US" dirty="0" err="1"/>
+              <a:t>func</a:t>
+            </a:r>
+            <a:r>
+              <a:rPr lang="en-US" dirty="0"/>
+              <a:t>)</a:t>
+            </a:r>
           </a:p>
           <a:p>
             <a:pPr marL="0" indent="0">
@@ -4283,26 +5716,36 @@
             </a:r>
             <a:r>
               <a:rPr lang="en-US" dirty="0" err="1"/>
-              <a:t>groupByKey</a:t>
-            </a:r>
-            <a:endParaRPr lang="en-US" dirty="0"/>
-          </a:p>
-          <a:p>
-            <a:pPr marL="0" indent="0">
-              <a:buNone/>
-            </a:pPr>
-            <a:r>
-              <a:rPr lang="en-US" dirty="0"/>
-              <a:t>          keys</a:t>
-            </a:r>
-          </a:p>
-          <a:p>
-            <a:pPr marL="0" indent="0">
-              <a:buNone/>
-            </a:pPr>
-            <a:r>
-              <a:rPr lang="en-US" dirty="0"/>
-              <a:t>          values</a:t>
+              <a:t>mapValues</a:t>
+            </a:r>
+            <a:r>
+              <a:rPr lang="en-US" dirty="0"/>
+              <a:t>(</a:t>
+            </a:r>
+            <a:r>
+              <a:rPr lang="en-US" dirty="0" err="1"/>
+              <a:t>func</a:t>
+            </a:r>
+            <a:r>
+              <a:rPr lang="en-US" dirty="0"/>
+              <a:t>)</a:t>
+            </a:r>
+          </a:p>
+          <a:p>
+            <a:pPr marL="0" indent="0">
+              <a:buNone/>
+            </a:pPr>
+            <a:r>
+              <a:rPr lang="en-US" dirty="0"/>
+              <a:t>          </a:t>
+            </a:r>
+            <a:r>
+              <a:rPr lang="en-US" dirty="0" err="1"/>
+              <a:t>sortByKey</a:t>
+            </a:r>
+            <a:r>
+              <a:rPr lang="en-US" dirty="0"/>
+              <a:t>()</a:t>
             </a:r>
           </a:p>
           <a:p>
@@ -4376,7 +5819,7 @@
           <p:cNvPr id="2" name="Title 1">
             <a:extLst>
               <a:ext uri="{FF2B5EF4-FFF2-40B4-BE49-F238E27FC236}">
-                <a16:creationId xmlns:a16="http://schemas.microsoft.com/office/drawing/2014/main" id="{7085FCE2-72C5-1D44-978C-966D8CF1F90F}"/>
+                <a16:creationId xmlns:a16="http://schemas.microsoft.com/office/drawing/2014/main" id="{5D37B963-EAFE-1B45-A239-8ED0B331480D}"/>
               </a:ext>
             </a:extLst>
           </p:cNvPr>
@@ -4394,7 +5837,7 @@
           <a:p>
             <a:r>
               <a:rPr lang="en-US" dirty="0"/>
-              <a:t>Key-Value Pairs (Pair RDDs)</a:t>
+              <a:t>Example</a:t>
             </a:r>
           </a:p>
         </p:txBody>
@@ -4404,7 +5847,7 @@
           <p:cNvPr id="3" name="Content Placeholder 2">
             <a:extLst>
               <a:ext uri="{FF2B5EF4-FFF2-40B4-BE49-F238E27FC236}">
-                <a16:creationId xmlns:a16="http://schemas.microsoft.com/office/drawing/2014/main" id="{E849B08B-2930-3044-9BF2-C76A6F671A9D}"/>
+                <a16:creationId xmlns:a16="http://schemas.microsoft.com/office/drawing/2014/main" id="{CD7F8313-0760-E547-A490-BE0634DA9CE0}"/>
               </a:ext>
             </a:extLst>
           </p:cNvPr>
@@ -4417,163 +5860,66 @@
         </p:nvSpPr>
         <p:spPr/>
         <p:txBody>
-          <a:bodyPr>
-            <a:normAutofit fontScale="55000" lnSpcReduction="20000"/>
-          </a:bodyPr>
-          <a:lstStyle/>
-          <a:p>
+          <a:bodyPr/>
+          <a:lstStyle/>
+          <a:p>
+            <a:pPr marL="0" indent="0">
+              <a:buNone/>
+            </a:pPr>
+            <a:r>
+              <a:rPr lang="en-US" dirty="0"/>
+              <a:t>words = ["one", "two", "two", "three", "three", "three"]</a:t>
+            </a:r>
+          </a:p>
+          <a:p>
+            <a:pPr marL="0" indent="0">
+              <a:buNone/>
+            </a:pPr>
+            <a:endParaRPr lang="en-US" dirty="0"/>
+          </a:p>
+          <a:p>
+            <a:pPr marL="0" indent="0">
+              <a:buNone/>
+            </a:pPr>
+            <a:r>
+              <a:rPr lang="en-US" dirty="0"/>
+              <a:t># Create an RDD of tuples (Pair RDD)</a:t>
+            </a:r>
+          </a:p>
+          <a:p>
+            <a:pPr marL="0" indent="0">
+              <a:buNone/>
+            </a:pPr>
             <a:r>
               <a:rPr lang="en-US" dirty="0" err="1"/>
-              <a:t>GroupByKey</a:t>
-            </a:r>
+              <a:t>wordPairsRDD</a:t>
+            </a:r>
+            <a:r>
+              <a:rPr lang="en-US" dirty="0"/>
+              <a:t> = </a:t>
+            </a:r>
+            <a:r>
+              <a:rPr lang="en-US" dirty="0" err="1"/>
+              <a:t>sc.parallelize</a:t>
+            </a:r>
+            <a:r>
+              <a:rPr lang="en-US" dirty="0"/>
+              <a:t>(words).map(lambda word : (word, 1))</a:t>
+            </a:r>
+          </a:p>
+          <a:p>
+            <a:pPr marL="0" indent="0">
+              <a:buNone/>
+            </a:pPr>
             <a:endParaRPr lang="en-US" dirty="0"/>
           </a:p>
           <a:p>
-            <a:endParaRPr lang="en-US" dirty="0"/>
-          </a:p>
-          <a:p>
-            <a:pPr marL="0" indent="0">
-              <a:buNone/>
-            </a:pPr>
-            <a:r>
-              <a:rPr lang="en-US" dirty="0"/>
-              <a:t>       </a:t>
-            </a:r>
-            <a:r>
-              <a:rPr lang="en-US" dirty="0" err="1"/>
-              <a:t>rdd.groupByKey</a:t>
-            </a:r>
-            <a:r>
-              <a:rPr lang="en-US" dirty="0"/>
-              <a:t>()    </a:t>
-            </a:r>
-          </a:p>
-          <a:p>
-            <a:pPr marL="0" indent="0">
-              <a:buNone/>
-            </a:pPr>
-            <a:r>
-              <a:rPr lang="en-US" dirty="0"/>
-              <a:t>    </a:t>
-            </a:r>
-          </a:p>
-          <a:p>
-            <a:pPr marL="0" indent="0">
-              <a:buNone/>
-            </a:pPr>
-            <a:r>
-              <a:rPr lang="en-US" dirty="0"/>
-              <a:t>      </a:t>
-            </a:r>
-            <a:r>
-              <a:rPr lang="en-US" dirty="0" err="1"/>
-              <a:t>mylist</a:t>
-            </a:r>
-            <a:r>
-              <a:rPr lang="en-US" dirty="0"/>
-              <a:t> = [(1,3), (1,5), (2,4), (3,4), (2,8)]</a:t>
-            </a:r>
-          </a:p>
-          <a:p>
-            <a:pPr marL="0" indent="0">
-              <a:buNone/>
-            </a:pPr>
-            <a:r>
-              <a:rPr lang="en-US" dirty="0"/>
-              <a:t>      </a:t>
-            </a:r>
-            <a:r>
-              <a:rPr lang="en-US" dirty="0" err="1"/>
-              <a:t>rdd</a:t>
-            </a:r>
-            <a:r>
-              <a:rPr lang="en-US" dirty="0"/>
-              <a:t> = </a:t>
-            </a:r>
-            <a:r>
-              <a:rPr lang="en-US" dirty="0" err="1"/>
-              <a:t>groupByKey</a:t>
-            </a:r>
-            <a:r>
-              <a:rPr lang="en-US" dirty="0"/>
-              <a:t>(</a:t>
-            </a:r>
-            <a:r>
-              <a:rPr lang="en-US" dirty="0" err="1"/>
-              <a:t>mylist</a:t>
-            </a:r>
-            <a:r>
-              <a:rPr lang="en-US" dirty="0"/>
-              <a:t>)</a:t>
-            </a:r>
-          </a:p>
-          <a:p>
-            <a:pPr marL="0" indent="0">
-              <a:buNone/>
-            </a:pPr>
-            <a:endParaRPr lang="en-US" dirty="0"/>
-          </a:p>
-          <a:p>
-            <a:r>
-              <a:rPr lang="en-US" dirty="0"/>
-              <a:t>This returns a tuple like this:</a:t>
-            </a:r>
-          </a:p>
-          <a:p>
-            <a:pPr marL="0" indent="0">
-              <a:buNone/>
-            </a:pPr>
-            <a:r>
-              <a:rPr lang="en-US" dirty="0"/>
-              <a:t>        [(1, [3, 5]),</a:t>
-            </a:r>
-          </a:p>
-          <a:p>
-            <a:pPr marL="0" indent="0">
-              <a:buNone/>
-            </a:pPr>
-            <a:r>
-              <a:rPr lang="en-US" dirty="0"/>
-              <a:t>          (2, [4, 8]),</a:t>
-            </a:r>
-          </a:p>
-          <a:p>
-            <a:pPr marL="0" indent="0">
-              <a:buNone/>
-            </a:pPr>
-            <a:r>
-              <a:rPr lang="en-US" dirty="0"/>
-              <a:t>          (3, [4])</a:t>
-            </a:r>
-          </a:p>
-          <a:p>
-            <a:pPr marL="0" indent="0">
-              <a:buNone/>
-            </a:pPr>
-            <a:r>
-              <a:rPr lang="en-US" dirty="0"/>
-              <a:t>A list of tuples (with a list) – makes printing interesting ……</a:t>
-            </a:r>
-          </a:p>
-          <a:p>
-            <a:pPr marL="0" indent="0">
-              <a:buNone/>
-            </a:pPr>
-            <a:endParaRPr lang="en-US" dirty="0"/>
-          </a:p>
-          <a:p>
-            <a:pPr marL="0" indent="0">
-              <a:buNone/>
-            </a:pPr>
-            <a:endParaRPr lang="en-US" dirty="0"/>
-          </a:p>
-          <a:p>
-            <a:pPr marL="0" indent="0">
-              <a:buNone/>
-            </a:pPr>
-            <a:r>
-              <a:rPr lang="en-US" dirty="0"/>
-              <a:t>      </a:t>
+            <a:pPr marL="0" indent="0">
+              <a:buNone/>
+            </a:pPr>
+            <a:r>
+              <a:rPr lang="en-US" dirty="0"/>
+              <a:t>[('one', 1), ('two', 1), ('two', 1), ('three', 1), ('three', 1), ('three', 1)]</a:t>
             </a:r>
           </a:p>
         </p:txBody>
@@ -4581,7 +5927,7 @@
     </p:spTree>
     <p:extLst>
       <p:ext uri="{BB962C8B-B14F-4D97-AF65-F5344CB8AC3E}">
-        <p14:creationId xmlns:p14="http://schemas.microsoft.com/office/powerpoint/2010/main" val="334447724"/>
+        <p14:creationId xmlns:p14="http://schemas.microsoft.com/office/powerpoint/2010/main" val="651579820"/>
       </p:ext>
     </p:extLst>
   </p:cSld>
@@ -4613,7 +5959,7 @@
           <p:cNvPr id="2" name="Title 1">
             <a:extLst>
               <a:ext uri="{FF2B5EF4-FFF2-40B4-BE49-F238E27FC236}">
-                <a16:creationId xmlns:a16="http://schemas.microsoft.com/office/drawing/2014/main" id="{92E8C562-9C63-BB4F-B3FF-D201837A82E4}"/>
+                <a16:creationId xmlns:a16="http://schemas.microsoft.com/office/drawing/2014/main" id="{76E22CC4-12D0-BF4D-8986-B80E27EA422A}"/>
               </a:ext>
             </a:extLst>
           </p:cNvPr>
@@ -4631,44 +5977,102 @@
           <a:p>
             <a:r>
               <a:rPr lang="en-US" dirty="0"/>
-              <a:t>Key-Value Pairs (Pair RDDs)</a:t>
-            </a:r>
-          </a:p>
-        </p:txBody>
-      </p:sp>
-      <p:pic>
-        <p:nvPicPr>
-          <p:cNvPr id="5" name="Content Placeholder 4" descr="A screenshot of a cell phone&#13;&#10;&#13;&#10;Description automatically generated">
-            <a:extLst>
-              <a:ext uri="{FF2B5EF4-FFF2-40B4-BE49-F238E27FC236}">
-                <a16:creationId xmlns:a16="http://schemas.microsoft.com/office/drawing/2014/main" id="{B2199926-8035-2548-9720-84ADEEEC759E}"/>
-              </a:ext>
-            </a:extLst>
-          </p:cNvPr>
-          <p:cNvPicPr>
-            <a:picLocks noGrp="1" noChangeAspect="1"/>
-          </p:cNvPicPr>
+              <a:t>Pair RDDs – Keys()</a:t>
+            </a:r>
+          </a:p>
+        </p:txBody>
+      </p:sp>
+      <p:sp>
+        <p:nvSpPr>
+          <p:cNvPr id="3" name="Content Placeholder 2">
+            <a:extLst>
+              <a:ext uri="{FF2B5EF4-FFF2-40B4-BE49-F238E27FC236}">
+                <a16:creationId xmlns:a16="http://schemas.microsoft.com/office/drawing/2014/main" id="{966CECBE-D4EA-C245-A9AD-B43C369014EF}"/>
+              </a:ext>
+            </a:extLst>
+          </p:cNvPr>
+          <p:cNvSpPr>
+            <a:spLocks noGrp="1"/>
+          </p:cNvSpPr>
           <p:nvPr>
             <p:ph idx="1"/>
           </p:nvPr>
-        </p:nvPicPr>
-        <p:blipFill>
-          <a:blip r:embed="rId2"/>
-          <a:stretch>
-            <a:fillRect/>
-          </a:stretch>
-        </p:blipFill>
-        <p:spPr>
-          <a:xfrm>
-            <a:off x="1862667" y="1690688"/>
-            <a:ext cx="7357533" cy="4321803"/>
-          </a:xfrm>
-        </p:spPr>
-      </p:pic>
+        </p:nvSpPr>
+        <p:spPr/>
+        <p:txBody>
+          <a:bodyPr/>
+          <a:lstStyle/>
+          <a:p>
+            <a:pPr marL="0" indent="0">
+              <a:buNone/>
+            </a:pPr>
+            <a:r>
+              <a:rPr lang="en-US" dirty="0"/>
+              <a:t> </a:t>
+            </a:r>
+            <a:r>
+              <a:rPr lang="en-US" dirty="0" err="1"/>
+              <a:t>rdd</a:t>
+            </a:r>
+            <a:r>
+              <a:rPr lang="en-US" dirty="0"/>
+              <a:t> = [('one', 1), ('two', 1), ('two', 1), ('three', 1), ('three', 1), ('three', 1)]</a:t>
+            </a:r>
+          </a:p>
+          <a:p>
+            <a:pPr marL="0" indent="0">
+              <a:buNone/>
+            </a:pPr>
+            <a:endParaRPr lang="en-US" dirty="0"/>
+          </a:p>
+          <a:p>
+            <a:pPr marL="0" indent="0">
+              <a:buNone/>
+            </a:pPr>
+            <a:r>
+              <a:rPr lang="en-US" dirty="0"/>
+              <a:t>  </a:t>
+            </a:r>
+            <a:r>
+              <a:rPr lang="en-US" dirty="0" err="1"/>
+              <a:t>rdd.</a:t>
+            </a:r>
+            <a:r>
+              <a:rPr lang="en-US" b="1" i="1" dirty="0" err="1">
+                <a:solidFill>
+                  <a:schemeClr val="accent1">
+                    <a:lumMod val="75000"/>
+                  </a:schemeClr>
+                </a:solidFill>
+              </a:rPr>
+              <a:t>keys</a:t>
+            </a:r>
+            <a:r>
+              <a:rPr lang="en-US" dirty="0"/>
+              <a:t>()</a:t>
+            </a:r>
+          </a:p>
+          <a:p>
+            <a:pPr marL="0" indent="0">
+              <a:buNone/>
+            </a:pPr>
+            <a:endParaRPr lang="en-US" dirty="0"/>
+          </a:p>
+          <a:p>
+            <a:pPr marL="0" indent="0">
+              <a:buNone/>
+            </a:pPr>
+            <a:r>
+              <a:rPr lang="en-US" dirty="0"/>
+              <a:t> ['one', 'two', 'two', 'three', 'three', 'three']</a:t>
+            </a:r>
+          </a:p>
+        </p:txBody>
+      </p:sp>
     </p:spTree>
     <p:extLst>
       <p:ext uri="{BB962C8B-B14F-4D97-AF65-F5344CB8AC3E}">
-        <p14:creationId xmlns:p14="http://schemas.microsoft.com/office/powerpoint/2010/main" val="1061966265"/>
+        <p14:creationId xmlns:p14="http://schemas.microsoft.com/office/powerpoint/2010/main" val="3446066257"/>
       </p:ext>
     </p:extLst>
   </p:cSld>
@@ -4700,7 +6104,7 @@
           <p:cNvPr id="2" name="Title 1">
             <a:extLst>
               <a:ext uri="{FF2B5EF4-FFF2-40B4-BE49-F238E27FC236}">
-                <a16:creationId xmlns:a16="http://schemas.microsoft.com/office/drawing/2014/main" id="{6B7A2162-F835-7842-BFD9-C566C6C0858C}"/>
+                <a16:creationId xmlns:a16="http://schemas.microsoft.com/office/drawing/2014/main" id="{0CBB51F3-14A6-8A45-8EBA-ED665E1553C9}"/>
               </a:ext>
             </a:extLst>
           </p:cNvPr>
@@ -4711,19 +6115,14 @@
             <p:ph type="title"/>
           </p:nvPr>
         </p:nvSpPr>
-        <p:spPr>
-          <a:xfrm>
-            <a:off x="838200" y="365125"/>
-            <a:ext cx="10515600" cy="1325563"/>
-          </a:xfrm>
-        </p:spPr>
-        <p:txBody>
-          <a:bodyPr/>
-          <a:lstStyle/>
-          <a:p>
-            <a:r>
-              <a:rPr lang="en-US" dirty="0"/>
-              <a:t>Key-Value Pairs (Pair RDDs)</a:t>
+        <p:spPr/>
+        <p:txBody>
+          <a:bodyPr/>
+          <a:lstStyle/>
+          <a:p>
+            <a:r>
+              <a:rPr lang="en-US" dirty="0"/>
+              <a:t>Pair RDDs - Values</a:t>
             </a:r>
           </a:p>
         </p:txBody>
@@ -4733,7 +6132,7 @@
           <p:cNvPr id="3" name="Content Placeholder 2">
             <a:extLst>
               <a:ext uri="{FF2B5EF4-FFF2-40B4-BE49-F238E27FC236}">
-                <a16:creationId xmlns:a16="http://schemas.microsoft.com/office/drawing/2014/main" id="{555E40DB-DFAB-ED42-B821-07136CE2F879}"/>
+                <a16:creationId xmlns:a16="http://schemas.microsoft.com/office/drawing/2014/main" id="{C9876551-97A8-BE42-ACB9-C03CEA09222E}"/>
               </a:ext>
             </a:extLst>
           </p:cNvPr>
@@ -4744,55 +6143,54 @@
             <p:ph idx="1"/>
           </p:nvPr>
         </p:nvSpPr>
-        <p:spPr>
-          <a:xfrm>
-            <a:off x="838200" y="1825625"/>
-            <a:ext cx="10515600" cy="4351338"/>
-          </a:xfrm>
-        </p:spPr>
-        <p:txBody>
-          <a:bodyPr>
-            <a:normAutofit fontScale="92500" lnSpcReduction="20000"/>
-          </a:bodyPr>
-          <a:lstStyle/>
-          <a:p>
+        <p:spPr/>
+        <p:txBody>
+          <a:bodyPr/>
+          <a:lstStyle/>
+          <a:p>
+            <a:pPr marL="0" indent="0">
+              <a:buNone/>
+            </a:pPr>
             <a:r>
               <a:rPr lang="en-US" dirty="0" err="1"/>
-              <a:t>ReduceByKey</a:t>
-            </a:r>
-            <a:r>
-              <a:rPr lang="en-US" dirty="0"/>
-              <a:t> – similar to </a:t>
+              <a:t>rdd</a:t>
+            </a:r>
+            <a:r>
+              <a:rPr lang="en-US" dirty="0"/>
+              <a:t> = [('one', 1), ('two', 1), ('two', 1), ('three', 1), ('three', 1), ('three', 1)]</a:t>
+            </a:r>
+          </a:p>
+          <a:p>
+            <a:pPr marL="0" indent="0">
+              <a:buNone/>
+            </a:pPr>
+            <a:endParaRPr lang="en-US" dirty="0"/>
+          </a:p>
+          <a:p>
+            <a:pPr marL="0" indent="0">
+              <a:buNone/>
+            </a:pPr>
+            <a:r>
+              <a:rPr lang="en-US" dirty="0"/>
+              <a:t> </a:t>
             </a:r>
             <a:r>
               <a:rPr lang="en-US" dirty="0" err="1"/>
-              <a:t>groupByKey</a:t>
-            </a:r>
-            <a:r>
-              <a:rPr lang="en-US" dirty="0"/>
-              <a:t> except it aggregates/reduces on the worker before shuffle.  </a:t>
-            </a:r>
-            <a:r>
-              <a:rPr lang="en-US" dirty="0" err="1"/>
-              <a:t>ReduceByKey</a:t>
-            </a:r>
-            <a:r>
-              <a:rPr lang="en-US" dirty="0"/>
-              <a:t> is preferred.</a:t>
-            </a:r>
-          </a:p>
-          <a:p>
-            <a:r>
-              <a:rPr lang="en-US" dirty="0"/>
-              <a:t>Performs a reduction in the </a:t>
-            </a:r>
-            <a:r>
-              <a:rPr lang="en-US" b="1" i="1" dirty="0"/>
-              <a:t>lambda </a:t>
-            </a:r>
-            <a:r>
-              <a:rPr lang="en-US" dirty="0"/>
-              <a:t>function.</a:t>
+              <a:t>rdd.</a:t>
+            </a:r>
+            <a:r>
+              <a:rPr lang="en-US" b="1" i="1" dirty="0" err="1">
+                <a:solidFill>
+                  <a:schemeClr val="accent1">
+                    <a:lumMod val="75000"/>
+                  </a:schemeClr>
+                </a:solidFill>
+              </a:rPr>
+              <a:t>values</a:t>
+            </a:r>
+            <a:r>
+              <a:rPr lang="en-US" dirty="0"/>
+              <a:t>()</a:t>
             </a:r>
           </a:p>
           <a:p>
@@ -4807,83 +6205,13 @@
             </a:pPr>
             <a:r>
               <a:rPr lang="en-US" dirty="0"/>
-              <a:t>        </a:t>
-            </a:r>
-            <a:r>
-              <a:rPr lang="en-US" dirty="0" err="1"/>
-              <a:t>rdd.reduceByKey</a:t>
-            </a:r>
-            <a:r>
-              <a:rPr lang="en-US" dirty="0"/>
-              <a:t>(</a:t>
-            </a:r>
-            <a:r>
-              <a:rPr lang="en-US" b="1" i="1" dirty="0"/>
-              <a:t>lambda function</a:t>
-            </a:r>
-            <a:r>
-              <a:rPr lang="en-US" dirty="0"/>
-              <a:t>)</a:t>
-            </a:r>
-          </a:p>
-          <a:p>
-            <a:pPr marL="0" indent="0">
-              <a:buNone/>
-            </a:pPr>
-            <a:endParaRPr lang="en-US" dirty="0"/>
-          </a:p>
-          <a:p>
-            <a:pPr marL="0" indent="0">
-              <a:buNone/>
-            </a:pPr>
-            <a:r>
-              <a:rPr lang="en-US" dirty="0"/>
-              <a:t>The shape returned is a list of tuples:</a:t>
-            </a:r>
-          </a:p>
-          <a:p>
-            <a:pPr marL="0" indent="0">
-              <a:buNone/>
-            </a:pPr>
-            <a:r>
-              <a:rPr lang="en-US" dirty="0"/>
-              <a:t>[ (key1, value1),</a:t>
-            </a:r>
-          </a:p>
-          <a:p>
-            <a:pPr marL="0" indent="0">
-              <a:buNone/>
-            </a:pPr>
-            <a:r>
-              <a:rPr lang="en-US" dirty="0"/>
-              <a:t>   (key2, value2),</a:t>
-            </a:r>
-          </a:p>
-          <a:p>
-            <a:pPr marL="0" indent="0">
-              <a:buNone/>
-            </a:pPr>
-            <a:r>
-              <a:rPr lang="en-US" dirty="0"/>
-              <a:t>            ……</a:t>
-            </a:r>
-          </a:p>
-          <a:p>
-            <a:pPr marL="0" indent="0">
-              <a:buNone/>
-            </a:pPr>
-            <a:r>
-              <a:rPr lang="en-US" dirty="0"/>
-              <a:t>   (key3, value3) ]</a:t>
-            </a:r>
-          </a:p>
-          <a:p>
-            <a:pPr marL="0" indent="0">
-              <a:buNone/>
-            </a:pPr>
-            <a:endParaRPr lang="en-US" dirty="0"/>
-          </a:p>
-          <a:p>
+              <a:t>[1, 1, 1, 1, 1, 1]</a:t>
+            </a:r>
+          </a:p>
+          <a:p>
+            <a:pPr marL="0" indent="0">
+              <a:buNone/>
+            </a:pPr>
             <a:endParaRPr lang="en-US" dirty="0"/>
           </a:p>
         </p:txBody>
@@ -4891,7 +6219,7 @@
     </p:spTree>
     <p:extLst>
       <p:ext uri="{BB962C8B-B14F-4D97-AF65-F5344CB8AC3E}">
-        <p14:creationId xmlns:p14="http://schemas.microsoft.com/office/powerpoint/2010/main" val="3481878612"/>
+        <p14:creationId xmlns:p14="http://schemas.microsoft.com/office/powerpoint/2010/main" val="3746464396"/>
       </p:ext>
     </p:extLst>
   </p:cSld>
